--- a/Jankovics Dávid/C#/Ügyfélkezelő Alkalmazás/customer management application eng.pptx
+++ b/Jankovics Dávid/C#/Ügyfélkezelő Alkalmazás/customer management application eng.pptx
@@ -132,8 +132,8 @@
 <p1510:revInfo xmlns:a="http://schemas.openxmlformats.org/drawingml/2006/main" xmlns:r="http://schemas.openxmlformats.org/officeDocument/2006/relationships" xmlns:p1510="http://schemas.microsoft.com/office/powerpoint/2015/10/main">
   <p1510:revLst>
     <p1510:client id="{2BC7D53C-C2B0-A131-F092-728D421038D2}" v="41" dt="2024-03-20T07:32:06.177"/>
+    <p1510:client id="{5F57CC59-0D8F-275A-92A9-C2A86FAAC43E}" v="318" dt="2024-03-18T19:13:52.231"/>
     <p1510:client id="{DF97BFD6-D2AF-1ACF-03AE-F473F79096BF}" v="45" dt="2024-03-20T07:42:37.581"/>
-    <p1510:client id="{5F57CC59-0D8F-275A-92A9-C2A86FAAC43E}" v="318" dt="2024-03-18T19:13:52.231"/>
   </p1510:revLst>
 </p1510:revInfo>
 </file>
@@ -232,7 +232,7 @@
           <a:p>
             <a:fld id="{8E6C9B1B-A210-46B0-BC05-767851633572}" type="datetime1">
               <a:rPr lang="hu-HU" smtClean="0"/>
-              <a:t>2024. 04. 03.</a:t>
+              <a:t>2024. 04. 04.</a:t>
             </a:fld>
             <a:endParaRPr lang="hu-HU" dirty="0"/>
           </a:p>
@@ -410,7 +410,7 @@
             <a:fld id="{88EB2301-E8DB-4BBC-8D27-8B8BAC528A64}" type="datetime1">
               <a:rPr lang="hu-HU" smtClean="0"/>
               <a:pPr/>
-              <a:t>2024. 04. 03.</a:t>
+              <a:t>2024. 04. 04.</a:t>
             </a:fld>
             <a:endParaRPr lang="hu-HU" dirty="0"/>
           </a:p>
@@ -1097,7 +1097,7 @@
             <a:pPr rtl="0"/>
             <a:fld id="{FFAD4ED7-D33D-4BC9-B679-E8585C59FD38}" type="datetime1">
               <a:rPr lang="hu-HU" noProof="0" smtClean="0"/>
-              <a:t>2024. 04. 03.</a:t>
+              <a:t>2024. 04. 04.</a:t>
             </a:fld>
             <a:endParaRPr lang="hu-HU" noProof="0"/>
           </a:p>
@@ -2184,7 +2184,7 @@
             <a:pPr rtl="0"/>
             <a:fld id="{F4F357D9-28C9-49FA-8206-9B94D3BED42B}" type="datetime1">
               <a:rPr lang="hu-HU" noProof="0" smtClean="0"/>
-              <a:t>2024. 04. 03.</a:t>
+              <a:t>2024. 04. 04.</a:t>
             </a:fld>
             <a:endParaRPr lang="hu-HU" noProof="0"/>
           </a:p>
@@ -3163,7 +3163,7 @@
             <a:pPr rtl="0"/>
             <a:fld id="{29BF8D25-A59E-4CC3-9DF6-BF34AA13F53B}" type="datetime1">
               <a:rPr lang="hu-HU" noProof="0" smtClean="0"/>
-              <a:t>2024. 04. 03.</a:t>
+              <a:t>2024. 04. 04.</a:t>
             </a:fld>
             <a:endParaRPr lang="hu-HU" noProof="0"/>
           </a:p>
@@ -4296,7 +4296,7 @@
             <a:pPr rtl="0"/>
             <a:fld id="{A7F32DBB-C533-4406-82A7-FA107EEA8B7E}" type="datetime1">
               <a:rPr lang="hu-HU" noProof="0" smtClean="0"/>
-              <a:t>2024. 04. 03.</a:t>
+              <a:t>2024. 04. 04.</a:t>
             </a:fld>
             <a:endParaRPr lang="hu-HU" noProof="0"/>
           </a:p>
@@ -5328,7 +5328,7 @@
             <a:pPr rtl="0"/>
             <a:fld id="{A5569ABA-0616-4D6A-9629-EECE6EC9CBF6}" type="datetime1">
               <a:rPr lang="hu-HU" noProof="0" smtClean="0"/>
-              <a:t>2024. 04. 03.</a:t>
+              <a:t>2024. 04. 04.</a:t>
             </a:fld>
             <a:endParaRPr lang="hu-HU" noProof="0"/>
           </a:p>
@@ -5987,7 +5987,7 @@
             <a:pPr rtl="0"/>
             <a:fld id="{EA5F55CC-E3DE-4853-9AC2-F2CA7D989324}" type="datetime1">
               <a:rPr lang="hu-HU" noProof="0" smtClean="0"/>
-              <a:t>2024. 04. 03.</a:t>
+              <a:t>2024. 04. 04.</a:t>
             </a:fld>
             <a:endParaRPr lang="hu-HU" noProof="0"/>
           </a:p>
@@ -6847,7 +6847,7 @@
             <a:pPr rtl="0"/>
             <a:fld id="{CE5E666C-A9D2-492D-B77D-FF81FD530740}" type="datetime1">
               <a:rPr lang="hu-HU" noProof="0" smtClean="0"/>
-              <a:t>2024. 04. 03.</a:t>
+              <a:t>2024. 04. 04.</a:t>
             </a:fld>
             <a:endParaRPr lang="hu-HU" noProof="0"/>
           </a:p>
@@ -7035,7 +7035,7 @@
             <a:pPr rtl="0"/>
             <a:fld id="{B3709BD0-2A15-47EE-84F4-6DA6135193F8}" type="datetime1">
               <a:rPr lang="hu-HU" noProof="0" smtClean="0"/>
-              <a:t>2024. 04. 03.</a:t>
+              <a:t>2024. 04. 04.</a:t>
             </a:fld>
             <a:endParaRPr lang="hu-HU" noProof="0"/>
           </a:p>
@@ -8005,7 +8005,7 @@
             <a:pPr rtl="0"/>
             <a:fld id="{AE181BD2-275D-45B0-B657-3FFC9F215FFC}" type="datetime1">
               <a:rPr lang="hu-HU" noProof="0" smtClean="0"/>
-              <a:t>2024. 04. 03.</a:t>
+              <a:t>2024. 04. 04.</a:t>
             </a:fld>
             <a:endParaRPr lang="hu-HU" noProof="0"/>
           </a:p>
@@ -8214,7 +8214,7 @@
             <a:pPr rtl="0"/>
             <a:fld id="{08DC2D29-9B2B-43F4-A099-D426807FB952}" type="datetime1">
               <a:rPr lang="hu-HU" noProof="0" smtClean="0"/>
-              <a:t>2024. 04. 03.</a:t>
+              <a:t>2024. 04. 04.</a:t>
             </a:fld>
             <a:endParaRPr lang="hu-HU" noProof="0"/>
           </a:p>
@@ -9247,7 +9247,7 @@
             <a:pPr rtl="0"/>
             <a:fld id="{D1209CDF-37F7-4141-AB8F-6ECF6B83A2D3}" type="datetime1">
               <a:rPr lang="hu-HU" noProof="0" smtClean="0"/>
-              <a:t>2024. 04. 03.</a:t>
+              <a:t>2024. 04. 04.</a:t>
             </a:fld>
             <a:endParaRPr lang="hu-HU" noProof="0"/>
           </a:p>
@@ -9516,7 +9516,7 @@
             <a:pPr rtl="0"/>
             <a:fld id="{72B05BC8-B1A7-4C48-B332-FBBD339B34E8}" type="datetime1">
               <a:rPr lang="hu-HU" noProof="0" smtClean="0"/>
-              <a:t>2024. 04. 03.</a:t>
+              <a:t>2024. 04. 04.</a:t>
             </a:fld>
             <a:endParaRPr lang="hu-HU" noProof="0"/>
           </a:p>
@@ -9923,7 +9923,7 @@
             <a:pPr rtl="0"/>
             <a:fld id="{DA42F2D5-4380-4ED9-B683-B329C0237F98}" type="datetime1">
               <a:rPr lang="hu-HU" noProof="0" smtClean="0"/>
-              <a:t>2024. 04. 03.</a:t>
+              <a:t>2024. 04. 04.</a:t>
             </a:fld>
             <a:endParaRPr lang="hu-HU" noProof="0"/>
           </a:p>
@@ -10049,7 +10049,7 @@
             <a:pPr rtl="0"/>
             <a:fld id="{8715DAF0-0CA2-4CC7-BF9A-ACF07E3DF75F}" type="datetime1">
               <a:rPr lang="hu-HU" noProof="0" smtClean="0"/>
-              <a:t>2024. 04. 03.</a:t>
+              <a:t>2024. 04. 04.</a:t>
             </a:fld>
             <a:endParaRPr lang="hu-HU" noProof="0"/>
           </a:p>
@@ -10143,7 +10143,7 @@
             <a:pPr rtl="0"/>
             <a:fld id="{36BC5D96-AAEB-42B4-9F51-8D4040F33421}" type="datetime1">
               <a:rPr lang="hu-HU" noProof="0" smtClean="0"/>
-              <a:t>2024. 04. 03.</a:t>
+              <a:t>2024. 04. 04.</a:t>
             </a:fld>
             <a:endParaRPr lang="hu-HU" noProof="0"/>
           </a:p>
@@ -11222,7 +11222,7 @@
             <a:pPr rtl="0"/>
             <a:fld id="{271A402D-46C7-4C8C-BBD9-6B6C5C7AC203}" type="datetime1">
               <a:rPr lang="hu-HU" noProof="0" smtClean="0"/>
-              <a:t>2024. 04. 03.</a:t>
+              <a:t>2024. 04. 04.</a:t>
             </a:fld>
             <a:endParaRPr lang="hu-HU" noProof="0"/>
           </a:p>
@@ -12328,7 +12328,7 @@
             <a:pPr rtl="0"/>
             <a:fld id="{595F778E-19D3-4496-994B-B7D2041DEA76}" type="datetime1">
               <a:rPr lang="hu-HU" noProof="0" smtClean="0"/>
-              <a:t>2024. 04. 03.</a:t>
+              <a:t>2024. 04. 04.</a:t>
             </a:fld>
             <a:endParaRPr lang="hu-HU" noProof="0"/>
           </a:p>
@@ -13323,7 +13323,7 @@
             <a:pPr rtl="0"/>
             <a:fld id="{2BEB145A-3182-4B3A-8258-2FB9B483A976}" type="datetime1">
               <a:rPr lang="hu-HU" noProof="0" smtClean="0"/>
-              <a:t>2024. 04. 03.</a:t>
+              <a:t>2024. 04. 04.</a:t>
             </a:fld>
             <a:endParaRPr lang="hu-HU" noProof="0"/>
           </a:p>
@@ -15262,8 +15262,21 @@
                   <a:schemeClr val="tx1"/>
                 </a:solidFill>
               </a:rPr>
-              <a:t>)</a:t>
-            </a:r>
+              <a:t>), ppt </a:t>
+            </a:r>
+            <a:r>
+              <a:rPr lang="hu-HU" dirty="0" err="1">
+                <a:solidFill>
+                  <a:schemeClr val="tx1"/>
+                </a:solidFill>
+              </a:rPr>
+              <a:t>presenter</a:t>
+            </a:r>
+            <a:endParaRPr lang="hu-HU" dirty="0">
+              <a:solidFill>
+                <a:schemeClr val="tx1"/>
+              </a:solidFill>
+            </a:endParaRPr>
           </a:p>
           <a:p>
             <a:pPr marL="285750" indent="-285750"/>
@@ -15385,7 +15398,15 @@
                   <a:schemeClr val="tx1"/>
                 </a:solidFill>
               </a:rPr>
-              <a:t>)</a:t>
+              <a:t>), ppt </a:t>
+            </a:r>
+            <a:r>
+              <a:rPr lang="hu-HU">
+                <a:solidFill>
+                  <a:schemeClr val="tx1"/>
+                </a:solidFill>
+              </a:rPr>
+              <a:t>presenter</a:t>
             </a:r>
             <a:br>
               <a:rPr lang="hu-HU" dirty="0"/>
